--- a/MyPresentation.pptx
+++ b/MyPresentation.pptx
@@ -21,6 +21,12 @@
     <p:sldId id="266" r:id="rId18"/>
     <p:sldId id="267" r:id="rId19"/>
     <p:sldId id="268" r:id="rId20"/>
+    <p:sldId id="269" r:id="rId21"/>
+    <p:sldId id="270" r:id="rId22"/>
+    <p:sldId id="271" r:id="rId23"/>
+    <p:sldId id="272" r:id="rId24"/>
+    <p:sldId id="273" r:id="rId25"/>
+    <p:sldId id="274" r:id="rId26"/>
   </p:sldIdLst>
   <p:sldSz cx="13004800" cy="9753600"/>
   <p:notesSz cx="6858000" cy="9144000"/>
@@ -660,6 +666,234 @@
 </p:notes>
 </file>
 
+<file path=ppt/notesSlides/notesSlide10.xml><?xml version="1.0" encoding="utf-8"?>
+<p:notes xmlns:a="http://schemas.openxmlformats.org/drawingml/2006/main" xmlns:r="http://schemas.openxmlformats.org/officeDocument/2006/relationships" xmlns:p="http://schemas.openxmlformats.org/presentationml/2006/main" showMasterSp="1" showMasterPhAnim="1">
+  <p:cSld>
+    <p:spTree>
+      <p:nvGrpSpPr>
+        <p:cNvPr id="1" name=""/>
+        <p:cNvGrpSpPr/>
+        <p:nvPr/>
+      </p:nvGrpSpPr>
+      <p:grpSpPr>
+        <a:xfrm>
+          <a:off x="0" y="0"/>
+          <a:ext cx="0" cy="0"/>
+          <a:chOff x="0" y="0"/>
+          <a:chExt cx="0" cy="0"/>
+        </a:xfrm>
+      </p:grpSpPr>
+      <p:sp>
+        <p:nvSpPr>
+          <p:cNvPr id="195" name="Shape 195"/>
+          <p:cNvSpPr/>
+          <p:nvPr>
+            <p:ph type="sldImg"/>
+          </p:nvPr>
+        </p:nvSpPr>
+        <p:spPr>
+          <a:prstGeom prst="rect">
+            <a:avLst/>
+          </a:prstGeom>
+        </p:spPr>
+        <p:txBody>
+          <a:bodyPr/>
+          <a:lstStyle/>
+          <a:p>
+            <a:pPr/>
+          </a:p>
+        </p:txBody>
+      </p:sp>
+      <p:sp>
+        <p:nvSpPr>
+          <p:cNvPr id="196" name="Shape 196"/>
+          <p:cNvSpPr/>
+          <p:nvPr>
+            <p:ph type="body" sz="quarter" idx="1"/>
+          </p:nvPr>
+        </p:nvSpPr>
+        <p:spPr>
+          <a:prstGeom prst="rect">
+            <a:avLst/>
+          </a:prstGeom>
+        </p:spPr>
+        <p:txBody>
+          <a:bodyPr/>
+          <a:lstStyle/>
+          <a:p>
+            <a:pPr/>
+            <a:r>
+              <a:t> Adjusting the timeout requires that you register a new version of the activity type.</a:t>
+            </a:r>
+          </a:p>
+        </p:txBody>
+      </p:sp>
+    </p:spTree>
+  </p:cSld>
+  <p:clrMapOvr>
+    <a:masterClrMapping/>
+  </p:clrMapOvr>
+</p:notes>
+</file>
+
+<file path=ppt/notesSlides/notesSlide11.xml><?xml version="1.0" encoding="utf-8"?>
+<p:notes xmlns:a="http://schemas.openxmlformats.org/drawingml/2006/main" xmlns:r="http://schemas.openxmlformats.org/officeDocument/2006/relationships" xmlns:p="http://schemas.openxmlformats.org/presentationml/2006/main" showMasterSp="1" showMasterPhAnim="1">
+  <p:cSld>
+    <p:spTree>
+      <p:nvGrpSpPr>
+        <p:cNvPr id="1" name=""/>
+        <p:cNvGrpSpPr/>
+        <p:nvPr/>
+      </p:nvGrpSpPr>
+      <p:grpSpPr>
+        <a:xfrm>
+          <a:off x="0" y="0"/>
+          <a:ext cx="0" cy="0"/>
+          <a:chOff x="0" y="0"/>
+          <a:chExt cx="0" cy="0"/>
+        </a:xfrm>
+      </p:grpSpPr>
+      <p:sp>
+        <p:nvSpPr>
+          <p:cNvPr id="199" name="Shape 199"/>
+          <p:cNvSpPr/>
+          <p:nvPr>
+            <p:ph type="sldImg"/>
+          </p:nvPr>
+        </p:nvSpPr>
+        <p:spPr>
+          <a:prstGeom prst="rect">
+            <a:avLst/>
+          </a:prstGeom>
+        </p:spPr>
+        <p:txBody>
+          <a:bodyPr/>
+          <a:lstStyle/>
+          <a:p>
+            <a:pPr/>
+          </a:p>
+        </p:txBody>
+      </p:sp>
+      <p:sp>
+        <p:nvSpPr>
+          <p:cNvPr id="200" name="Shape 200"/>
+          <p:cNvSpPr/>
+          <p:nvPr>
+            <p:ph type="body" sz="quarter" idx="1"/>
+          </p:nvPr>
+        </p:nvSpPr>
+        <p:spPr>
+          <a:prstGeom prst="rect">
+            <a:avLst/>
+          </a:prstGeom>
+        </p:spPr>
+        <p:txBody>
+          <a:bodyPr/>
+          <a:lstStyle/>
+          <a:p>
+            <a:pPr/>
+            <a:r>
+              <a:t>Demo#2 flow.swf.greeter</a:t>
+            </a:r>
+          </a:p>
+          <a:p>
+            <a:pPr/>
+            <a:r>
+              <a:t>Visa samma funktionalitet implementerat med Flow.</a:t>
+            </a:r>
+          </a:p>
+          <a:p>
+            <a:pPr/>
+          </a:p>
+        </p:txBody>
+      </p:sp>
+    </p:spTree>
+  </p:cSld>
+  <p:clrMapOvr>
+    <a:masterClrMapping/>
+  </p:clrMapOvr>
+</p:notes>
+</file>
+
+<file path=ppt/notesSlides/notesSlide12.xml><?xml version="1.0" encoding="utf-8"?>
+<p:notes xmlns:a="http://schemas.openxmlformats.org/drawingml/2006/main" xmlns:r="http://schemas.openxmlformats.org/officeDocument/2006/relationships" xmlns:p="http://schemas.openxmlformats.org/presentationml/2006/main" showMasterSp="1" showMasterPhAnim="1">
+  <p:cSld>
+    <p:spTree>
+      <p:nvGrpSpPr>
+        <p:cNvPr id="1" name=""/>
+        <p:cNvGrpSpPr/>
+        <p:nvPr/>
+      </p:nvGrpSpPr>
+      <p:grpSpPr>
+        <a:xfrm>
+          <a:off x="0" y="0"/>
+          <a:ext cx="0" cy="0"/>
+          <a:chOff x="0" y="0"/>
+          <a:chExt cx="0" cy="0"/>
+        </a:xfrm>
+      </p:grpSpPr>
+      <p:sp>
+        <p:nvSpPr>
+          <p:cNvPr id="204" name="Shape 204"/>
+          <p:cNvSpPr/>
+          <p:nvPr>
+            <p:ph type="sldImg"/>
+          </p:nvPr>
+        </p:nvSpPr>
+        <p:spPr>
+          <a:prstGeom prst="rect">
+            <a:avLst/>
+          </a:prstGeom>
+        </p:spPr>
+        <p:txBody>
+          <a:bodyPr/>
+          <a:lstStyle/>
+          <a:p>
+            <a:pPr/>
+          </a:p>
+        </p:txBody>
+      </p:sp>
+      <p:sp>
+        <p:nvSpPr>
+          <p:cNvPr id="205" name="Shape 205"/>
+          <p:cNvSpPr/>
+          <p:nvPr>
+            <p:ph type="body" sz="quarter" idx="1"/>
+          </p:nvPr>
+        </p:nvSpPr>
+        <p:spPr>
+          <a:prstGeom prst="rect">
+            <a:avLst/>
+          </a:prstGeom>
+        </p:spPr>
+        <p:txBody>
+          <a:bodyPr/>
+          <a:lstStyle/>
+          <a:p>
+            <a:pPr/>
+            <a:r>
+              <a:t>By default, the framework considers the activity completed when your activity method returns.</a:t>
+            </a:r>
+          </a:p>
+          <a:p>
+            <a:pPr/>
+          </a:p>
+          <a:p>
+            <a:pPr/>
+            <a:r>
+              <a:t>In order to complete the activity manually, you can either use the ManualActivityCompletionClient provided in the framework or use the RespondActivityTaskCompleted method on the Amazon SWF Java client provided in the Amazon SWF SDK. </a:t>
+            </a:r>
+          </a:p>
+        </p:txBody>
+      </p:sp>
+    </p:spTree>
+  </p:cSld>
+  <p:clrMapOvr>
+    <a:masterClrMapping/>
+  </p:clrMapOvr>
+</p:notes>
+</file>
+
 <file path=ppt/notesSlides/notesSlide2.xml><?xml version="1.0" encoding="utf-8"?>
 <p:notes xmlns:a="http://schemas.openxmlformats.org/drawingml/2006/main" xmlns:r="http://schemas.openxmlformats.org/officeDocument/2006/relationships" xmlns:p="http://schemas.openxmlformats.org/presentationml/2006/main" showMasterSp="1" showMasterPhAnim="1">
   <p:cSld>
@@ -1015,7 +1249,7 @@
       </p:grpSpPr>
       <p:sp>
         <p:nvSpPr>
-          <p:cNvPr id="169" name="Shape 169"/>
+          <p:cNvPr id="166" name="Shape 166"/>
           <p:cNvSpPr/>
           <p:nvPr>
             <p:ph type="sldImg"/>
@@ -1036,7 +1270,7 @@
       </p:sp>
       <p:sp>
         <p:nvSpPr>
-          <p:cNvPr id="170" name="Shape 170"/>
+          <p:cNvPr id="167" name="Shape 167"/>
           <p:cNvSpPr/>
           <p:nvPr>
             <p:ph type="body" sz="quarter" idx="1"/>
@@ -1053,6 +1287,82 @@
           <a:p>
             <a:pPr/>
             <a:r>
+              <a:t>Vad menas då med feltolerant?</a:t>
+            </a:r>
+          </a:p>
+          <a:p>
+            <a:pPr/>
+            <a:r>
+              <a:t>-bygger på lagring i S3 - durability 99,999999999 över ett år.if you store 10,000 objects with Amazon S3, you can on average expect to incur a loss of a single object once every 10,000,000 years. In addition, Amazon S3 is designed to sustain the concurrent loss of data in two facilities.</a:t>
+            </a:r>
+          </a:p>
+        </p:txBody>
+      </p:sp>
+    </p:spTree>
+  </p:cSld>
+  <p:clrMapOvr>
+    <a:masterClrMapping/>
+  </p:clrMapOvr>
+</p:notes>
+</file>
+
+<file path=ppt/notesSlides/notesSlide6.xml><?xml version="1.0" encoding="utf-8"?>
+<p:notes xmlns:a="http://schemas.openxmlformats.org/drawingml/2006/main" xmlns:r="http://schemas.openxmlformats.org/officeDocument/2006/relationships" xmlns:p="http://schemas.openxmlformats.org/presentationml/2006/main" showMasterSp="1" showMasterPhAnim="1">
+  <p:cSld>
+    <p:spTree>
+      <p:nvGrpSpPr>
+        <p:cNvPr id="1" name=""/>
+        <p:cNvGrpSpPr/>
+        <p:nvPr/>
+      </p:nvGrpSpPr>
+      <p:grpSpPr>
+        <a:xfrm>
+          <a:off x="0" y="0"/>
+          <a:ext cx="0" cy="0"/>
+          <a:chOff x="0" y="0"/>
+          <a:chExt cx="0" cy="0"/>
+        </a:xfrm>
+      </p:grpSpPr>
+      <p:sp>
+        <p:nvSpPr>
+          <p:cNvPr id="172" name="Shape 172"/>
+          <p:cNvSpPr/>
+          <p:nvPr>
+            <p:ph type="sldImg"/>
+          </p:nvPr>
+        </p:nvSpPr>
+        <p:spPr>
+          <a:prstGeom prst="rect">
+            <a:avLst/>
+          </a:prstGeom>
+        </p:spPr>
+        <p:txBody>
+          <a:bodyPr/>
+          <a:lstStyle/>
+          <a:p>
+            <a:pPr/>
+          </a:p>
+        </p:txBody>
+      </p:sp>
+      <p:sp>
+        <p:nvSpPr>
+          <p:cNvPr id="173" name="Shape 173"/>
+          <p:cNvSpPr/>
+          <p:nvPr>
+            <p:ph type="body" sz="quarter" idx="1"/>
+          </p:nvPr>
+        </p:nvSpPr>
+        <p:spPr>
+          <a:prstGeom prst="rect">
+            <a:avLst/>
+          </a:prstGeom>
+        </p:spPr>
+        <p:txBody>
+          <a:bodyPr/>
+          <a:lstStyle/>
+          <a:p>
+            <a:pPr/>
+            <a:r>
               <a:t>*Blir det bättre demo med två EC2 instanser</a:t>
             </a:r>
           </a:p>
@@ -1103,6 +1413,346 @@
             <a:r>
               <a:t>&gt;stress   - -cpu 100 </a:t>
             </a:r>
+          </a:p>
+        </p:txBody>
+      </p:sp>
+    </p:spTree>
+  </p:cSld>
+  <p:clrMapOvr>
+    <a:masterClrMapping/>
+  </p:clrMapOvr>
+</p:notes>
+</file>
+
+<file path=ppt/notesSlides/notesSlide7.xml><?xml version="1.0" encoding="utf-8"?>
+<p:notes xmlns:a="http://schemas.openxmlformats.org/drawingml/2006/main" xmlns:r="http://schemas.openxmlformats.org/officeDocument/2006/relationships" xmlns:p="http://schemas.openxmlformats.org/presentationml/2006/main" showMasterSp="1" showMasterPhAnim="1">
+  <p:cSld>
+    <p:spTree>
+      <p:nvGrpSpPr>
+        <p:cNvPr id="1" name=""/>
+        <p:cNvGrpSpPr/>
+        <p:nvPr/>
+      </p:nvGrpSpPr>
+      <p:grpSpPr>
+        <a:xfrm>
+          <a:off x="0" y="0"/>
+          <a:ext cx="0" cy="0"/>
+          <a:chOff x="0" y="0"/>
+          <a:chExt cx="0" cy="0"/>
+        </a:xfrm>
+      </p:grpSpPr>
+      <p:sp>
+        <p:nvSpPr>
+          <p:cNvPr id="181" name="Shape 181"/>
+          <p:cNvSpPr/>
+          <p:nvPr>
+            <p:ph type="sldImg"/>
+          </p:nvPr>
+        </p:nvSpPr>
+        <p:spPr>
+          <a:prstGeom prst="rect">
+            <a:avLst/>
+          </a:prstGeom>
+        </p:spPr>
+        <p:txBody>
+          <a:bodyPr/>
+          <a:lstStyle/>
+          <a:p>
+            <a:pPr/>
+          </a:p>
+        </p:txBody>
+      </p:sp>
+      <p:sp>
+        <p:nvSpPr>
+          <p:cNvPr id="182" name="Shape 182"/>
+          <p:cNvSpPr/>
+          <p:nvPr>
+            <p:ph type="body" sz="quarter" idx="1"/>
+          </p:nvPr>
+        </p:nvSpPr>
+        <p:spPr>
+          <a:prstGeom prst="rect">
+            <a:avLst/>
+          </a:prstGeom>
+        </p:spPr>
+        <p:txBody>
+          <a:bodyPr/>
+          <a:lstStyle/>
+          <a:p>
+            <a:pPr>
+              <a:defRPr sz="1600"/>
+            </a:pPr>
+            <a:r>
+              <a:t>Workflow vaddå? Vad är det? </a:t>
+            </a:r>
+          </a:p>
+          <a:p>
+            <a:pPr>
+              <a:defRPr sz="1600"/>
+            </a:pPr>
+            <a:r>
+              <a:t>helps developers build, run, and scale background jobs that have parallel or sequential steps. Fully-managed state tracker and task coordinator in the Cloud.</a:t>
+            </a:r>
+          </a:p>
+          <a:p>
+            <a:pPr>
+              <a:defRPr sz="1600"/>
+            </a:pPr>
+            <a:r>
+              <a:t>you need to track the state of processing, and you need to recover or retry if a task fails, Amazon SWF can help you.</a:t>
+            </a:r>
+          </a:p>
+          <a:p>
+            <a:pPr>
+              <a:defRPr sz="1600"/>
+            </a:pPr>
+          </a:p>
+          <a:p>
+            <a:pPr>
+              <a:defRPr b="1" sz="1600"/>
+            </a:pPr>
+            <a:r>
+              <a:t>Logical Separation</a:t>
+            </a:r>
+          </a:p>
+          <a:p>
+            <a:pPr>
+              <a:defRPr sz="1600"/>
+            </a:pPr>
+            <a:r>
+              <a:t>separerar flödeskontroll från aktiviteterna som ska utföras. därmed kan man för varje enskild del underhålla och skala. Kan ändra applikationslogik utan att bry sig om den underliggande tillståndsmaskinen. </a:t>
+            </a:r>
+          </a:p>
+          <a:p>
+            <a:pPr>
+              <a:defRPr b="1" sz="1600"/>
+            </a:pPr>
+          </a:p>
+          <a:p>
+            <a:pPr>
+              <a:defRPr b="1" sz="1600"/>
+            </a:pPr>
+            <a:r>
+              <a:t>Enkel</a:t>
+            </a:r>
+          </a:p>
+          <a:p>
+            <a:pPr>
+              <a:defRPr sz="1600"/>
+            </a:pPr>
+            <a:r>
+              <a:t>Ersätter egna komplexa lösningar för process automation med färdig tjänst. Underhåll av den egen lösning behövs inte och man kan fokusera på applikationens funktionalitet.</a:t>
+            </a:r>
+          </a:p>
+          <a:p>
+            <a:pPr>
+              <a:defRPr b="1" sz="1600"/>
+            </a:pPr>
+          </a:p>
+          <a:p>
+            <a:pPr>
+              <a:defRPr b="1" sz="1600"/>
+            </a:pPr>
+            <a:r>
+              <a:t>Skalbar</a:t>
+            </a:r>
+          </a:p>
+          <a:p>
+            <a:pPr>
+              <a:defRPr sz="1600"/>
+            </a:pPr>
+            <a:r>
+              <a:t>SWF skala automatiskt med hur man använder sin applikation. Ingen administration behövs för att skala upp/ner antalet arbetare.</a:t>
+            </a:r>
+          </a:p>
+          <a:p>
+            <a:pPr>
+              <a:defRPr b="1" sz="1600"/>
+            </a:pPr>
+          </a:p>
+          <a:p>
+            <a:pPr>
+              <a:defRPr b="1" sz="1600"/>
+            </a:pPr>
+            <a:r>
+              <a:t>Flexibel</a:t>
+            </a:r>
+          </a:p>
+          <a:p>
+            <a:pPr>
+              <a:defRPr b="1" sz="1600"/>
+            </a:pPr>
+            <a:r>
+              <a:rPr b="0"/>
+              <a:t>Kan skriva applikationskomponenterna och koordineringslogiken i valfritt språk och de kan köra i molnet eller på hemmaplan.</a:t>
+            </a:r>
+          </a:p>
+        </p:txBody>
+      </p:sp>
+    </p:spTree>
+  </p:cSld>
+  <p:clrMapOvr>
+    <a:masterClrMapping/>
+  </p:clrMapOvr>
+</p:notes>
+</file>
+
+<file path=ppt/notesSlides/notesSlide8.xml><?xml version="1.0" encoding="utf-8"?>
+<p:notes xmlns:a="http://schemas.openxmlformats.org/drawingml/2006/main" xmlns:r="http://schemas.openxmlformats.org/officeDocument/2006/relationships" xmlns:p="http://schemas.openxmlformats.org/presentationml/2006/main" showMasterSp="1" showMasterPhAnim="1">
+  <p:cSld>
+    <p:spTree>
+      <p:nvGrpSpPr>
+        <p:cNvPr id="1" name=""/>
+        <p:cNvGrpSpPr/>
+        <p:nvPr/>
+      </p:nvGrpSpPr>
+      <p:grpSpPr>
+        <a:xfrm>
+          <a:off x="0" y="0"/>
+          <a:ext cx="0" cy="0"/>
+          <a:chOff x="0" y="0"/>
+          <a:chExt cx="0" cy="0"/>
+        </a:xfrm>
+      </p:grpSpPr>
+      <p:sp>
+        <p:nvSpPr>
+          <p:cNvPr id="186" name="Shape 186"/>
+          <p:cNvSpPr/>
+          <p:nvPr>
+            <p:ph type="sldImg"/>
+          </p:nvPr>
+        </p:nvSpPr>
+        <p:spPr>
+          <a:prstGeom prst="rect">
+            <a:avLst/>
+          </a:prstGeom>
+        </p:spPr>
+        <p:txBody>
+          <a:bodyPr/>
+          <a:lstStyle/>
+          <a:p>
+            <a:pPr/>
+          </a:p>
+        </p:txBody>
+      </p:sp>
+      <p:sp>
+        <p:nvSpPr>
+          <p:cNvPr id="187" name="Shape 187"/>
+          <p:cNvSpPr/>
+          <p:nvPr>
+            <p:ph type="body" sz="quarter" idx="1"/>
+          </p:nvPr>
+        </p:nvSpPr>
+        <p:spPr>
+          <a:prstGeom prst="rect">
+            <a:avLst/>
+          </a:prstGeom>
+        </p:spPr>
+        <p:txBody>
+          <a:bodyPr/>
+          <a:lstStyle/>
+          <a:p>
+            <a:pPr/>
+            <a:r>
+              <a:t>workflow worker och activity worker registrerar sig i en domain</a:t>
+            </a:r>
+          </a:p>
+          <a:p>
+            <a:pPr/>
+            <a:r>
+              <a:t>task token överför information mellan de olika stegen</a:t>
+            </a:r>
+          </a:p>
+        </p:txBody>
+      </p:sp>
+    </p:spTree>
+  </p:cSld>
+  <p:clrMapOvr>
+    <a:masterClrMapping/>
+  </p:clrMapOvr>
+</p:notes>
+</file>
+
+<file path=ppt/notesSlides/notesSlide9.xml><?xml version="1.0" encoding="utf-8"?>
+<p:notes xmlns:a="http://schemas.openxmlformats.org/drawingml/2006/main" xmlns:r="http://schemas.openxmlformats.org/officeDocument/2006/relationships" xmlns:p="http://schemas.openxmlformats.org/presentationml/2006/main" showMasterSp="1" showMasterPhAnim="1">
+  <p:cSld>
+    <p:spTree>
+      <p:nvGrpSpPr>
+        <p:cNvPr id="1" name=""/>
+        <p:cNvGrpSpPr/>
+        <p:nvPr/>
+      </p:nvGrpSpPr>
+      <p:grpSpPr>
+        <a:xfrm>
+          <a:off x="0" y="0"/>
+          <a:ext cx="0" cy="0"/>
+          <a:chOff x="0" y="0"/>
+          <a:chExt cx="0" cy="0"/>
+        </a:xfrm>
+      </p:grpSpPr>
+      <p:sp>
+        <p:nvSpPr>
+          <p:cNvPr id="190" name="Shape 190"/>
+          <p:cNvSpPr/>
+          <p:nvPr>
+            <p:ph type="sldImg"/>
+          </p:nvPr>
+        </p:nvSpPr>
+        <p:spPr>
+          <a:prstGeom prst="rect">
+            <a:avLst/>
+          </a:prstGeom>
+        </p:spPr>
+        <p:txBody>
+          <a:bodyPr/>
+          <a:lstStyle/>
+          <a:p>
+            <a:pPr/>
+          </a:p>
+        </p:txBody>
+      </p:sp>
+      <p:sp>
+        <p:nvSpPr>
+          <p:cNvPr id="191" name="Shape 191"/>
+          <p:cNvSpPr/>
+          <p:nvPr>
+            <p:ph type="body" sz="quarter" idx="1"/>
+          </p:nvPr>
+        </p:nvSpPr>
+        <p:spPr>
+          <a:prstGeom prst="rect">
+            <a:avLst/>
+          </a:prstGeom>
+        </p:spPr>
+        <p:txBody>
+          <a:bodyPr/>
+          <a:lstStyle/>
+          <a:p>
+            <a:pPr/>
+            <a:r>
+              <a:t>Demo#1</a:t>
+            </a:r>
+          </a:p>
+          <a:p>
+            <a:pPr/>
+            <a:r>
+              <a:t>example.swf.hello</a:t>
+            </a:r>
+          </a:p>
+          <a:p>
+            <a:pPr/>
+            <a:r>
+              <a:t>Visa aktivitet- och workflow worker.</a:t>
+            </a:r>
+          </a:p>
+          <a:p>
+            <a:pPr/>
+            <a:r>
+              <a:t>Starta dem.  </a:t>
+            </a:r>
+          </a:p>
+          <a:p>
+            <a:pPr/>
           </a:p>
         </p:txBody>
       </p:sp>
@@ -4351,10 +5001,10 @@
       </p:grpSpPr>
       <p:sp>
         <p:nvSpPr>
-          <p:cNvPr id="172" name="Shape 172"/>
+          <p:cNvPr id="175" name="Shape 175"/>
           <p:cNvSpPr/>
           <p:nvPr>
-            <p:ph type="body" idx="1"/>
+            <p:ph type="title"/>
           </p:nvPr>
         </p:nvSpPr>
         <p:spPr>
@@ -4366,20 +5016,344 @@
           <a:bodyPr/>
           <a:lstStyle/>
           <a:p>
-            <a:pPr>
-              <a:buBlip>
-                <a:blip r:embed="rId2"/>
-              </a:buBlip>
-            </a:pPr>
+            <a:pPr/>
+            <a:r>
+              <a:t>moderator funktion</a:t>
+            </a:r>
           </a:p>
         </p:txBody>
       </p:sp>
+      <p:sp>
+        <p:nvSpPr>
+          <p:cNvPr id="176" name="Shape 176"/>
+          <p:cNvSpPr/>
+          <p:nvPr/>
+        </p:nvSpPr>
+        <p:spPr>
+          <a:xfrm>
+            <a:off x="879909" y="2779489"/>
+            <a:ext cx="9681750" cy="1143001"/>
+          </a:xfrm>
+          <a:prstGeom prst="rect">
+            <a:avLst/>
+          </a:prstGeom>
+          <a:ln w="12700">
+            <a:miter lim="400000"/>
+          </a:ln>
+          <a:extLst>
+            <a:ext uri="{C572A759-6A51-4108-AA02-DFA0A04FC94B}">
+              <ma14:wrappingTextBoxFlag xmlns:ma14="http://schemas.microsoft.com/office/mac/drawingml/2011/main" val="1"/>
+            </a:ext>
+          </a:extLst>
+        </p:spPr>
+        <p:txBody>
+          <a:bodyPr lIns="50800" tIns="50800" rIns="50800" bIns="50800" anchor="ctr">
+            <a:spAutoFit/>
+          </a:bodyPr>
+          <a:lstStyle/>
+          <a:p>
+            <a:pPr marL="228600" indent="-228600" algn="l">
+              <a:buSzPct val="100000"/>
+              <a:buChar char="•"/>
+            </a:pPr>
+            <a:r>
+              <a:t>ja, det finns som plugin…men…</a:t>
+            </a:r>
+          </a:p>
+          <a:p>
+            <a:pPr marL="228600" indent="-228600" algn="l">
+              <a:buSzPct val="100000"/>
+              <a:buChar char="•"/>
+            </a:pPr>
+            <a:r>
+              <a:t>så här tänkte jag mig:</a:t>
+            </a:r>
+          </a:p>
+        </p:txBody>
+      </p:sp>
+      <p:pic>
+        <p:nvPicPr>
+          <p:cNvPr id="177" name="moderator_workflow.png"/>
+          <p:cNvPicPr>
+            <a:picLocks noChangeAspect="1"/>
+          </p:cNvPicPr>
+          <p:nvPr/>
+        </p:nvPicPr>
+        <p:blipFill>
+          <a:blip r:embed="rId2">
+            <a:extLst/>
+          </a:blip>
+          <a:stretch>
+            <a:fillRect/>
+          </a:stretch>
+        </p:blipFill>
+        <p:spPr>
+          <a:xfrm>
+            <a:off x="415054" y="4410821"/>
+            <a:ext cx="12174692" cy="3374099"/>
+          </a:xfrm>
+          <a:prstGeom prst="rect">
+            <a:avLst/>
+          </a:prstGeom>
+          <a:ln w="12700">
+            <a:miter lim="400000"/>
+          </a:ln>
+        </p:spPr>
+      </p:pic>
     </p:spTree>
   </p:cSld>
   <p:clrMapOvr>
     <a:masterClrMapping/>
   </p:clrMapOvr>
   <p:transition xmlns:p14="http://schemas.microsoft.com/office/powerpoint/2010/main" spd="med" advClick="1" p14:dur="1000"/>
+  <p:timing>
+    <p:tnLst>
+      <p:par>
+        <p:cTn id="1" nodeType="tmRoot" restart="never" dur="indefinite" fill="hold">
+          <p:childTnLst>
+            <p:seq concurrent="1" prevAc="none" nextAc="seek">
+              <p:cTn id="2" nodeType="mainSeq" dur="indefinite" fill="hold">
+                <p:childTnLst>
+                  <p:par>
+                    <p:cTn id="3" fill="hold">
+                      <p:stCondLst>
+                        <p:cond delay="indefinite"/>
+                      </p:stCondLst>
+                      <p:childTnLst>
+                        <p:par>
+                          <p:cTn id="4" fill="hold">
+                            <p:stCondLst>
+                              <p:cond delay="0"/>
+                            </p:stCondLst>
+                            <p:childTnLst>
+                              <p:par>
+                                <p:cTn id="5" presetClass="entr" nodeType="clickEffect" presetSubtype="0" presetID="1" grpId="1" fill="hold">
+                                  <p:stCondLst>
+                                    <p:cond delay="0"/>
+                                  </p:stCondLst>
+                                  <p:iterate type="el" backwards="0">
+                                    <p:tmAbs val="0"/>
+                                  </p:iterate>
+                                  <p:childTnLst>
+                                    <p:set>
+                                      <p:cBhvr>
+                                        <p:cTn id="6" fill="hold"/>
+                                        <p:tgtEl>
+                                          <p:spTgt spid="176">
+                                            <p:bg/>
+                                          </p:spTgt>
+                                        </p:tgtEl>
+                                        <p:attrNameLst>
+                                          <p:attrName>style.visibility</p:attrName>
+                                        </p:attrNameLst>
+                                      </p:cBhvr>
+                                      <p:to>
+                                        <p:strVal val="visible"/>
+                                      </p:to>
+                                    </p:set>
+                                  </p:childTnLst>
+                                </p:cTn>
+                              </p:par>
+                              <p:par>
+                                <p:cTn id="7" presetClass="entr" nodeType="withEffect" presetSubtype="0" presetID="1" grpId="1" fill="hold">
+                                  <p:stCondLst>
+                                    <p:cond delay="0"/>
+                                  </p:stCondLst>
+                                  <p:iterate type="el" backwards="0">
+                                    <p:tmAbs val="0"/>
+                                  </p:iterate>
+                                  <p:childTnLst>
+                                    <p:set>
+                                      <p:cBhvr>
+                                        <p:cTn id="8" fill="hold"/>
+                                        <p:tgtEl>
+                                          <p:spTgt spid="176">
+                                            <p:txEl>
+                                              <p:pRg st="0" end="0"/>
+                                            </p:txEl>
+                                          </p:spTgt>
+                                        </p:tgtEl>
+                                        <p:attrNameLst>
+                                          <p:attrName>style.visibility</p:attrName>
+                                        </p:attrNameLst>
+                                      </p:cBhvr>
+                                      <p:to>
+                                        <p:strVal val="visible"/>
+                                      </p:to>
+                                    </p:set>
+                                  </p:childTnLst>
+                                </p:cTn>
+                              </p:par>
+                            </p:childTnLst>
+                          </p:cTn>
+                        </p:par>
+                      </p:childTnLst>
+                    </p:cTn>
+                  </p:par>
+                  <p:par>
+                    <p:cTn id="9" fill="hold">
+                      <p:stCondLst>
+                        <p:cond delay="indefinite"/>
+                      </p:stCondLst>
+                      <p:childTnLst>
+                        <p:par>
+                          <p:cTn id="10" fill="hold">
+                            <p:stCondLst>
+                              <p:cond delay="0"/>
+                            </p:stCondLst>
+                            <p:childTnLst>
+                              <p:par>
+                                <p:cTn id="11" presetClass="entr" nodeType="clickEffect" presetSubtype="0" presetID="1" grpId="1" fill="hold">
+                                  <p:stCondLst>
+                                    <p:cond delay="0"/>
+                                  </p:stCondLst>
+                                  <p:iterate type="el" backwards="0">
+                                    <p:tmAbs val="0"/>
+                                  </p:iterate>
+                                  <p:childTnLst>
+                                    <p:set>
+                                      <p:cBhvr>
+                                        <p:cTn id="12" fill="hold"/>
+                                        <p:tgtEl>
+                                          <p:spTgt spid="176">
+                                            <p:txEl>
+                                              <p:pRg st="1" end="1"/>
+                                            </p:txEl>
+                                          </p:spTgt>
+                                        </p:tgtEl>
+                                        <p:attrNameLst>
+                                          <p:attrName>style.visibility</p:attrName>
+                                        </p:attrNameLst>
+                                      </p:cBhvr>
+                                      <p:to>
+                                        <p:strVal val="visible"/>
+                                      </p:to>
+                                    </p:set>
+                                  </p:childTnLst>
+                                </p:cTn>
+                              </p:par>
+                            </p:childTnLst>
+                          </p:cTn>
+                        </p:par>
+                      </p:childTnLst>
+                    </p:cTn>
+                  </p:par>
+                  <p:par>
+                    <p:cTn id="13" fill="hold">
+                      <p:stCondLst>
+                        <p:cond delay="indefinite"/>
+                      </p:stCondLst>
+                      <p:childTnLst>
+                        <p:par>
+                          <p:cTn id="14" fill="hold">
+                            <p:stCondLst>
+                              <p:cond delay="0"/>
+                            </p:stCondLst>
+                            <p:childTnLst>
+                              <p:par>
+                                <p:cTn id="15" presetClass="entr" nodeType="clickEffect" presetSubtype="1" presetID="2" grpId="2" fill="hold">
+                                  <p:stCondLst>
+                                    <p:cond delay="0"/>
+                                  </p:stCondLst>
+                                  <p:iterate type="el" backwards="0">
+                                    <p:tmAbs val="0"/>
+                                  </p:iterate>
+                                  <p:childTnLst>
+                                    <p:set>
+                                      <p:cBhvr>
+                                        <p:cTn id="16" fill="hold"/>
+                                        <p:tgtEl>
+                                          <p:spTgt spid="177"/>
+                                        </p:tgtEl>
+                                        <p:attrNameLst>
+                                          <p:attrName>style.visibility</p:attrName>
+                                        </p:attrNameLst>
+                                      </p:cBhvr>
+                                      <p:to>
+                                        <p:strVal val="visible"/>
+                                      </p:to>
+                                    </p:set>
+                                    <p:anim calcmode="lin" valueType="num">
+                                      <p:cBhvr>
+                                        <p:cTn id="17" dur="1000" fill="hold"/>
+                                        <p:tgtEl>
+                                          <p:spTgt spid="177"/>
+                                        </p:tgtEl>
+                                        <p:attrNameLst>
+                                          <p:attrName>ppt_x</p:attrName>
+                                        </p:attrNameLst>
+                                      </p:cBhvr>
+                                      <p:tavLst>
+                                        <p:tav tm="0">
+                                          <p:val>
+                                            <p:strVal val="#ppt_x"/>
+                                          </p:val>
+                                        </p:tav>
+                                        <p:tav tm="100000">
+                                          <p:val>
+                                            <p:strVal val="#ppt_x"/>
+                                          </p:val>
+                                        </p:tav>
+                                      </p:tavLst>
+                                    </p:anim>
+                                    <p:anim calcmode="lin" valueType="num">
+                                      <p:cBhvr>
+                                        <p:cTn id="18" dur="1000" fill="hold"/>
+                                        <p:tgtEl>
+                                          <p:spTgt spid="177"/>
+                                        </p:tgtEl>
+                                        <p:attrNameLst>
+                                          <p:attrName>ppt_y</p:attrName>
+                                        </p:attrNameLst>
+                                      </p:cBhvr>
+                                      <p:tavLst>
+                                        <p:tav tm="0">
+                                          <p:val>
+                                            <p:strVal val="0-#ppt_h/2"/>
+                                          </p:val>
+                                        </p:tav>
+                                        <p:tav tm="100000">
+                                          <p:val>
+                                            <p:strVal val="#ppt_y"/>
+                                          </p:val>
+                                        </p:tav>
+                                      </p:tavLst>
+                                    </p:anim>
+                                  </p:childTnLst>
+                                </p:cTn>
+                              </p:par>
+                            </p:childTnLst>
+                          </p:cTn>
+                        </p:par>
+                      </p:childTnLst>
+                    </p:cTn>
+                  </p:par>
+                </p:childTnLst>
+              </p:cTn>
+              <p:prevCondLst>
+                <p:cond evt="onPrev">
+                  <p:tgtEl>
+                    <p:sldTgt/>
+                  </p:tgtEl>
+                </p:cond>
+              </p:prevCondLst>
+              <p:nextCondLst>
+                <p:cond evt="onNext">
+                  <p:tgtEl>
+                    <p:sldTgt/>
+                  </p:tgtEl>
+                </p:cond>
+              </p:nextCondLst>
+            </p:seq>
+          </p:childTnLst>
+        </p:cTn>
+      </p:par>
+    </p:tnLst>
+    <p:bldLst>
+      <p:bldP build="p" bldLvl="5" animBg="1" rev="0" advAuto="0" spid="176" grpId="1"/>
+      <p:bldP build="whole" bldLvl="1" animBg="1" rev="0" advAuto="0" spid="177" grpId="2"/>
+    </p:bldLst>
+  </p:timing>
 </p:sld>
 </file>
 
@@ -4402,7 +5376,7 @@
       </p:grpSpPr>
       <p:sp>
         <p:nvSpPr>
-          <p:cNvPr id="174" name="Shape 174"/>
+          <p:cNvPr id="179" name="Shape 179"/>
           <p:cNvSpPr/>
           <p:nvPr>
             <p:ph type="title"/>
@@ -4419,7 +5393,121 @@
           <a:p>
             <a:pPr/>
             <a:r>
-              <a:t>Simple Workflow</a:t>
+              <a:t>Simple Workflow service</a:t>
+            </a:r>
+          </a:p>
+        </p:txBody>
+      </p:sp>
+      <p:sp>
+        <p:nvSpPr>
+          <p:cNvPr id="180" name="Shape 180"/>
+          <p:cNvSpPr/>
+          <p:nvPr/>
+        </p:nvSpPr>
+        <p:spPr>
+          <a:xfrm>
+            <a:off x="999128" y="3323063"/>
+            <a:ext cx="5010557" cy="3075722"/>
+          </a:xfrm>
+          <a:prstGeom prst="rect">
+            <a:avLst/>
+          </a:prstGeom>
+          <a:ln w="12700">
+            <a:miter lim="400000"/>
+          </a:ln>
+          <a:extLst>
+            <a:ext uri="{C572A759-6A51-4108-AA02-DFA0A04FC94B}">
+              <ma14:wrappingTextBoxFlag xmlns:ma14="http://schemas.microsoft.com/office/mac/drawingml/2011/main" val="1"/>
+            </a:ext>
+          </a:extLst>
+        </p:spPr>
+        <p:txBody>
+          <a:bodyPr wrap="none" lIns="50800" tIns="50800" rIns="50800" bIns="50800" anchor="ctr">
+            <a:spAutoFit/>
+          </a:bodyPr>
+          <a:lstStyle/>
+          <a:p>
+            <a:pPr marL="228600" indent="-228600" algn="l" defTabSz="457200">
+              <a:lnSpc>
+                <a:spcPct val="117999"/>
+              </a:lnSpc>
+              <a:buSzPct val="100000"/>
+              <a:buChar char="•"/>
+              <a:defRPr sz="4400">
+                <a:solidFill>
+                  <a:srgbClr val="000000"/>
+                </a:solidFill>
+                <a:latin typeface="Helvetica Neue"/>
+                <a:ea typeface="Helvetica Neue"/>
+                <a:cs typeface="Helvetica Neue"/>
+                <a:sym typeface="Helvetica Neue"/>
+              </a:defRPr>
+            </a:pPr>
+            <a:r>
+              <a:t>Logisk Separation</a:t>
+            </a:r>
+          </a:p>
+          <a:p>
+            <a:pPr marL="228600" indent="-228600" algn="l" defTabSz="457200">
+              <a:lnSpc>
+                <a:spcPct val="117999"/>
+              </a:lnSpc>
+              <a:buSzPct val="100000"/>
+              <a:buChar char="•"/>
+              <a:defRPr sz="4400">
+                <a:solidFill>
+                  <a:srgbClr val="000000"/>
+                </a:solidFill>
+                <a:latin typeface="Helvetica Neue"/>
+                <a:ea typeface="Helvetica Neue"/>
+                <a:cs typeface="Helvetica Neue"/>
+                <a:sym typeface="Helvetica Neue"/>
+              </a:defRPr>
+            </a:pPr>
+            <a:r>
+              <a:t>Enkel</a:t>
+            </a:r>
+          </a:p>
+          <a:p>
+            <a:pPr marL="228600" indent="-228600" algn="l" defTabSz="457200">
+              <a:lnSpc>
+                <a:spcPct val="117999"/>
+              </a:lnSpc>
+              <a:buSzPct val="100000"/>
+              <a:buChar char="•"/>
+              <a:defRPr sz="4400">
+                <a:solidFill>
+                  <a:srgbClr val="000000"/>
+                </a:solidFill>
+                <a:latin typeface="Helvetica Neue"/>
+                <a:ea typeface="Helvetica Neue"/>
+                <a:cs typeface="Helvetica Neue"/>
+                <a:sym typeface="Helvetica Neue"/>
+              </a:defRPr>
+            </a:pPr>
+            <a:r>
+              <a:t>Skalbar</a:t>
+            </a:r>
+          </a:p>
+          <a:p>
+            <a:pPr marL="228600" indent="-228600" algn="l" defTabSz="457200">
+              <a:lnSpc>
+                <a:spcPct val="117999"/>
+              </a:lnSpc>
+              <a:buSzPct val="100000"/>
+              <a:buChar char="•"/>
+              <a:defRPr sz="4400">
+                <a:solidFill>
+                  <a:srgbClr val="000000"/>
+                </a:solidFill>
+                <a:latin typeface="Helvetica Neue"/>
+                <a:ea typeface="Helvetica Neue"/>
+                <a:cs typeface="Helvetica Neue"/>
+                <a:sym typeface="Helvetica Neue"/>
+              </a:defRPr>
+            </a:pPr>
+            <a:r>
+              <a:t>Flexibel</a:t>
             </a:r>
           </a:p>
         </p:txBody>
@@ -4429,7 +5517,18 @@
   <p:clrMapOvr>
     <a:masterClrMapping/>
   </p:clrMapOvr>
-  <p:transition xmlns:p14="http://schemas.microsoft.com/office/powerpoint/2010/main" spd="med" advClick="1" p14:dur="1000"/>
+  <mc:AlternateContent xmlns:mc="http://schemas.openxmlformats.org/markup-compatibility/2006">
+    <mc:Choice xmlns:p14="http://schemas.microsoft.com/office/powerpoint/2010/main" Requires="p14">
+      <p:transition spd="slow" advClick="1" p14:dur="1500">
+        <p:dissolve/>
+      </p:transition>
+    </mc:Choice>
+    <mc:Fallback>
+      <p:transition spd="slow">
+        <p:fade/>
+      </p:transition>
+    </mc:Fallback>
+  </mc:AlternateContent>
 </p:sld>
 </file>
 
@@ -4452,7 +5551,7 @@
       </p:grpSpPr>
       <p:sp>
         <p:nvSpPr>
-          <p:cNvPr id="176" name="Shape 176"/>
+          <p:cNvPr id="184" name="Shape 184"/>
           <p:cNvSpPr/>
           <p:nvPr>
             <p:ph type="title"/>
@@ -4469,14 +5568,428 @@
           <a:p>
             <a:pPr/>
             <a:r>
-              <a:t>Jmf AWS med andra</a:t>
+              <a:t>Vilka är delarna i tjänsten</a:t>
             </a:r>
           </a:p>
         </p:txBody>
       </p:sp>
       <p:sp>
         <p:nvSpPr>
-          <p:cNvPr id="177" name="Shape 177"/>
+          <p:cNvPr id="185" name="Shape 185"/>
+          <p:cNvSpPr/>
+          <p:nvPr/>
+        </p:nvSpPr>
+        <p:spPr>
+          <a:xfrm>
+            <a:off x="914634" y="3488846"/>
+            <a:ext cx="4627216" cy="3911601"/>
+          </a:xfrm>
+          <a:prstGeom prst="rect">
+            <a:avLst/>
+          </a:prstGeom>
+          <a:ln w="12700">
+            <a:miter lim="400000"/>
+          </a:ln>
+          <a:extLst>
+            <a:ext uri="{C572A759-6A51-4108-AA02-DFA0A04FC94B}">
+              <ma14:wrappingTextBoxFlag xmlns:ma14="http://schemas.microsoft.com/office/mac/drawingml/2011/main" val="1"/>
+            </a:ext>
+          </a:extLst>
+        </p:spPr>
+        <p:txBody>
+          <a:bodyPr wrap="none" lIns="50800" tIns="50800" rIns="50800" bIns="50800" anchor="ctr">
+            <a:spAutoFit/>
+          </a:bodyPr>
+          <a:lstStyle/>
+          <a:p>
+            <a:pPr marL="228600" indent="-228600" algn="l">
+              <a:buSzPct val="100000"/>
+              <a:buChar char="•"/>
+              <a:defRPr sz="4400"/>
+            </a:pPr>
+            <a:r>
+              <a:t>Workflow worker</a:t>
+            </a:r>
+          </a:p>
+          <a:p>
+            <a:pPr marL="228600" indent="-228600" algn="l">
+              <a:buSzPct val="100000"/>
+              <a:buChar char="•"/>
+              <a:defRPr sz="4400"/>
+            </a:pPr>
+            <a:r>
+              <a:t>Activity worker</a:t>
+            </a:r>
+          </a:p>
+          <a:p>
+            <a:pPr marL="228600" indent="-228600" algn="l">
+              <a:buSzPct val="100000"/>
+              <a:buChar char="•"/>
+              <a:defRPr sz="4400"/>
+            </a:pPr>
+            <a:r>
+              <a:t>Domain</a:t>
+            </a:r>
+          </a:p>
+          <a:p>
+            <a:pPr marL="228600" indent="-228600" algn="l">
+              <a:buSzPct val="100000"/>
+              <a:buChar char="•"/>
+              <a:defRPr sz="4400"/>
+            </a:pPr>
+            <a:r>
+              <a:t>Workflow tasklist</a:t>
+            </a:r>
+          </a:p>
+          <a:p>
+            <a:pPr marL="228600" indent="-228600" algn="l">
+              <a:buSzPct val="100000"/>
+              <a:buChar char="•"/>
+              <a:defRPr sz="4400"/>
+            </a:pPr>
+            <a:r>
+              <a:t>Task token</a:t>
+            </a:r>
+          </a:p>
+        </p:txBody>
+      </p:sp>
+    </p:spTree>
+  </p:cSld>
+  <p:clrMapOvr>
+    <a:masterClrMapping/>
+  </p:clrMapOvr>
+  <p:transition xmlns:p14="http://schemas.microsoft.com/office/powerpoint/2010/main" spd="med" advClick="1" p14:dur="1000"/>
+</p:sld>
+</file>
+
+<file path=ppt/slides/slide13.xml><?xml version="1.0" encoding="utf-8"?>
+<p:sld xmlns:a="http://schemas.openxmlformats.org/drawingml/2006/main" xmlns:r="http://schemas.openxmlformats.org/officeDocument/2006/relationships" xmlns:p="http://schemas.openxmlformats.org/presentationml/2006/main" showMasterSp="1" showMasterPhAnim="1">
+  <p:cSld>
+    <p:spTree>
+      <p:nvGrpSpPr>
+        <p:cNvPr id="1" name=""/>
+        <p:cNvGrpSpPr/>
+        <p:nvPr/>
+      </p:nvGrpSpPr>
+      <p:grpSpPr>
+        <a:xfrm>
+          <a:off x="0" y="0"/>
+          <a:ext cx="0" cy="0"/>
+          <a:chOff x="0" y="0"/>
+          <a:chExt cx="0" cy="0"/>
+        </a:xfrm>
+      </p:grpSpPr>
+      <p:sp>
+        <p:nvSpPr>
+          <p:cNvPr id="189" name="Shape 189"/>
+          <p:cNvSpPr/>
+          <p:nvPr>
+            <p:ph type="title"/>
+          </p:nvPr>
+        </p:nvSpPr>
+        <p:spPr>
+          <a:prstGeom prst="rect">
+            <a:avLst/>
+          </a:prstGeom>
+        </p:spPr>
+        <p:txBody>
+          <a:bodyPr/>
+          <a:lstStyle/>
+          <a:p>
+            <a:pPr/>
+            <a:r>
+              <a:t>Demo</a:t>
+            </a:r>
+          </a:p>
+        </p:txBody>
+      </p:sp>
+    </p:spTree>
+  </p:cSld>
+  <p:clrMapOvr>
+    <a:masterClrMapping/>
+  </p:clrMapOvr>
+  <p:transition xmlns:p14="http://schemas.microsoft.com/office/powerpoint/2010/main" spd="med" advClick="1" p14:dur="1000"/>
+</p:sld>
+</file>
+
+<file path=ppt/slides/slide14.xml><?xml version="1.0" encoding="utf-8"?>
+<p:sld xmlns:a="http://schemas.openxmlformats.org/drawingml/2006/main" xmlns:r="http://schemas.openxmlformats.org/officeDocument/2006/relationships" xmlns:p="http://schemas.openxmlformats.org/presentationml/2006/main" showMasterSp="1" showMasterPhAnim="1">
+  <p:cSld>
+    <p:spTree>
+      <p:nvGrpSpPr>
+        <p:cNvPr id="1" name=""/>
+        <p:cNvGrpSpPr/>
+        <p:nvPr/>
+      </p:nvGrpSpPr>
+      <p:grpSpPr>
+        <a:xfrm>
+          <a:off x="0" y="0"/>
+          <a:ext cx="0" cy="0"/>
+          <a:chOff x="0" y="0"/>
+          <a:chExt cx="0" cy="0"/>
+        </a:xfrm>
+      </p:grpSpPr>
+      <p:sp>
+        <p:nvSpPr>
+          <p:cNvPr id="193" name="Shape 193"/>
+          <p:cNvSpPr/>
+          <p:nvPr>
+            <p:ph type="title"/>
+          </p:nvPr>
+        </p:nvSpPr>
+        <p:spPr>
+          <a:prstGeom prst="rect">
+            <a:avLst/>
+          </a:prstGeom>
+        </p:spPr>
+        <p:txBody>
+          <a:bodyPr/>
+          <a:lstStyle/>
+          <a:p>
+            <a:pPr/>
+            <a:r>
+              <a:t>The flow framework</a:t>
+            </a:r>
+          </a:p>
+        </p:txBody>
+      </p:sp>
+      <p:sp>
+        <p:nvSpPr>
+          <p:cNvPr id="194" name="Shape 194"/>
+          <p:cNvSpPr/>
+          <p:nvPr/>
+        </p:nvSpPr>
+        <p:spPr>
+          <a:xfrm>
+            <a:off x="545643" y="3203009"/>
+            <a:ext cx="5032550" cy="1143001"/>
+          </a:xfrm>
+          <a:prstGeom prst="rect">
+            <a:avLst/>
+          </a:prstGeom>
+          <a:ln w="12700">
+            <a:miter lim="400000"/>
+          </a:ln>
+          <a:extLst>
+            <a:ext uri="{C572A759-6A51-4108-AA02-DFA0A04FC94B}">
+              <ma14:wrappingTextBoxFlag xmlns:ma14="http://schemas.microsoft.com/office/mac/drawingml/2011/main" val="1"/>
+            </a:ext>
+          </a:extLst>
+        </p:spPr>
+        <p:txBody>
+          <a:bodyPr wrap="none" lIns="50800" tIns="50800" rIns="50800" bIns="50800" anchor="ctr">
+            <a:spAutoFit/>
+          </a:bodyPr>
+          <a:lstStyle/>
+          <a:p>
+            <a:pPr marL="228600" indent="-228600" algn="l">
+              <a:buSzPct val="100000"/>
+              <a:buChar char="•"/>
+            </a:pPr>
+            <a:r>
+              <a:t>Ramverk för att förenkla</a:t>
+            </a:r>
+          </a:p>
+          <a:p>
+            <a:pPr marL="228600" indent="-228600" algn="l">
+              <a:buSzPct val="100000"/>
+              <a:buChar char="•"/>
+            </a:pPr>
+            <a:r>
+              <a:t>inte så mkt lågnivå swf </a:t>
+            </a:r>
+          </a:p>
+        </p:txBody>
+      </p:sp>
+    </p:spTree>
+  </p:cSld>
+  <p:clrMapOvr>
+    <a:masterClrMapping/>
+  </p:clrMapOvr>
+  <p:transition xmlns:p14="http://schemas.microsoft.com/office/powerpoint/2010/main" spd="med" advClick="1" p14:dur="1000"/>
+</p:sld>
+</file>
+
+<file path=ppt/slides/slide15.xml><?xml version="1.0" encoding="utf-8"?>
+<p:sld xmlns:a="http://schemas.openxmlformats.org/drawingml/2006/main" xmlns:r="http://schemas.openxmlformats.org/officeDocument/2006/relationships" xmlns:p="http://schemas.openxmlformats.org/presentationml/2006/main" showMasterSp="1" showMasterPhAnim="1">
+  <p:cSld>
+    <p:spTree>
+      <p:nvGrpSpPr>
+        <p:cNvPr id="1" name=""/>
+        <p:cNvGrpSpPr/>
+        <p:nvPr/>
+      </p:nvGrpSpPr>
+      <p:grpSpPr>
+        <a:xfrm>
+          <a:off x="0" y="0"/>
+          <a:ext cx="0" cy="0"/>
+          <a:chOff x="0" y="0"/>
+          <a:chExt cx="0" cy="0"/>
+        </a:xfrm>
+      </p:grpSpPr>
+      <p:sp>
+        <p:nvSpPr>
+          <p:cNvPr id="198" name="Shape 198"/>
+          <p:cNvSpPr/>
+          <p:nvPr>
+            <p:ph type="title"/>
+          </p:nvPr>
+        </p:nvSpPr>
+        <p:spPr>
+          <a:prstGeom prst="rect">
+            <a:avLst/>
+          </a:prstGeom>
+        </p:spPr>
+        <p:txBody>
+          <a:bodyPr/>
+          <a:lstStyle/>
+          <a:p>
+            <a:pPr/>
+            <a:r>
+              <a:t>DEmo</a:t>
+            </a:r>
+          </a:p>
+        </p:txBody>
+      </p:sp>
+    </p:spTree>
+  </p:cSld>
+  <p:clrMapOvr>
+    <a:masterClrMapping/>
+  </p:clrMapOvr>
+  <p:transition xmlns:p14="http://schemas.microsoft.com/office/powerpoint/2010/main" spd="med" advClick="1" p14:dur="1000"/>
+</p:sld>
+</file>
+
+<file path=ppt/slides/slide16.xml><?xml version="1.0" encoding="utf-8"?>
+<p:sld xmlns:a="http://schemas.openxmlformats.org/drawingml/2006/main" xmlns:r="http://schemas.openxmlformats.org/officeDocument/2006/relationships" xmlns:p="http://schemas.openxmlformats.org/presentationml/2006/main" showMasterSp="1" showMasterPhAnim="1">
+  <p:cSld>
+    <p:spTree>
+      <p:nvGrpSpPr>
+        <p:cNvPr id="1" name=""/>
+        <p:cNvGrpSpPr/>
+        <p:nvPr/>
+      </p:nvGrpSpPr>
+      <p:grpSpPr>
+        <a:xfrm>
+          <a:off x="0" y="0"/>
+          <a:ext cx="0" cy="0"/>
+          <a:chOff x="0" y="0"/>
+          <a:chExt cx="0" cy="0"/>
+        </a:xfrm>
+      </p:grpSpPr>
+      <p:sp>
+        <p:nvSpPr>
+          <p:cNvPr id="202" name="Shape 202"/>
+          <p:cNvSpPr/>
+          <p:nvPr>
+            <p:ph type="title"/>
+          </p:nvPr>
+        </p:nvSpPr>
+        <p:spPr>
+          <a:prstGeom prst="rect">
+            <a:avLst/>
+          </a:prstGeom>
+        </p:spPr>
+        <p:txBody>
+          <a:bodyPr/>
+          <a:lstStyle/>
+          <a:p>
+            <a:pPr/>
+            <a:r>
+              <a:t>Human task</a:t>
+            </a:r>
+          </a:p>
+        </p:txBody>
+      </p:sp>
+      <p:sp>
+        <p:nvSpPr>
+          <p:cNvPr id="203" name="Shape 203"/>
+          <p:cNvSpPr/>
+          <p:nvPr/>
+        </p:nvSpPr>
+        <p:spPr>
+          <a:xfrm>
+            <a:off x="1248971" y="3196137"/>
+            <a:ext cx="5496447" cy="622301"/>
+          </a:xfrm>
+          <a:prstGeom prst="rect">
+            <a:avLst/>
+          </a:prstGeom>
+          <a:ln w="12700">
+            <a:miter lim="400000"/>
+          </a:ln>
+          <a:extLst>
+            <a:ext uri="{C572A759-6A51-4108-AA02-DFA0A04FC94B}">
+              <ma14:wrappingTextBoxFlag xmlns:ma14="http://schemas.microsoft.com/office/mac/drawingml/2011/main" val="1"/>
+            </a:ext>
+          </a:extLst>
+        </p:spPr>
+        <p:txBody>
+          <a:bodyPr wrap="none" lIns="50800" tIns="50800" rIns="50800" bIns="50800" anchor="ctr">
+            <a:spAutoFit/>
+          </a:bodyPr>
+          <a:lstStyle/>
+          <a:p>
+            <a:pPr/>
+            <a:r>
+              <a:t>@ManualActivityCompletion</a:t>
+            </a:r>
+          </a:p>
+        </p:txBody>
+      </p:sp>
+    </p:spTree>
+  </p:cSld>
+  <p:clrMapOvr>
+    <a:masterClrMapping/>
+  </p:clrMapOvr>
+  <p:transition xmlns:p14="http://schemas.microsoft.com/office/powerpoint/2010/main" spd="med" advClick="1" p14:dur="1000"/>
+</p:sld>
+</file>
+
+<file path=ppt/slides/slide17.xml><?xml version="1.0" encoding="utf-8"?>
+<p:sld xmlns:a="http://schemas.openxmlformats.org/drawingml/2006/main" xmlns:r="http://schemas.openxmlformats.org/officeDocument/2006/relationships" xmlns:p="http://schemas.openxmlformats.org/presentationml/2006/main" showMasterSp="1" showMasterPhAnim="1">
+  <p:cSld>
+    <p:spTree>
+      <p:nvGrpSpPr>
+        <p:cNvPr id="1" name=""/>
+        <p:cNvGrpSpPr/>
+        <p:nvPr/>
+      </p:nvGrpSpPr>
+      <p:grpSpPr>
+        <a:xfrm>
+          <a:off x="0" y="0"/>
+          <a:ext cx="0" cy="0"/>
+          <a:chOff x="0" y="0"/>
+          <a:chExt cx="0" cy="0"/>
+        </a:xfrm>
+      </p:grpSpPr>
+      <p:sp>
+        <p:nvSpPr>
+          <p:cNvPr id="207" name="Shape 207"/>
+          <p:cNvSpPr/>
+          <p:nvPr>
+            <p:ph type="title"/>
+          </p:nvPr>
+        </p:nvSpPr>
+        <p:spPr>
+          <a:prstGeom prst="rect">
+            <a:avLst/>
+          </a:prstGeom>
+        </p:spPr>
+        <p:txBody>
+          <a:bodyPr/>
+          <a:lstStyle/>
+          <a:p>
+            <a:pPr/>
+            <a:r>
+              <a:t>Jmf AWS med andra</a:t>
+            </a:r>
+          </a:p>
+        </p:txBody>
+      </p:sp>
+      <p:sp>
+        <p:nvSpPr>
+          <p:cNvPr id="208" name="Shape 208"/>
           <p:cNvSpPr/>
           <p:nvPr>
             <p:ph type="body" idx="1"/>
@@ -4501,7 +6014,7 @@
       </p:sp>
       <p:pic>
         <p:nvPicPr>
-          <p:cNvPr id="178" name="pasted-image.png"/>
+          <p:cNvPr id="209" name="pasted-image.png"/>
           <p:cNvPicPr>
             <a:picLocks noChangeAspect="1"/>
           </p:cNvPicPr>
@@ -4537,7 +6050,7 @@
 </p:sld>
 </file>
 
-<file path=ppt/slides/slide13.xml><?xml version="1.0" encoding="utf-8"?>
+<file path=ppt/slides/slide18.xml><?xml version="1.0" encoding="utf-8"?>
 <p:sld xmlns:a="http://schemas.openxmlformats.org/drawingml/2006/main" xmlns:r="http://schemas.openxmlformats.org/officeDocument/2006/relationships" xmlns:p="http://schemas.openxmlformats.org/presentationml/2006/main" showMasterSp="1" showMasterPhAnim="1">
   <p:cSld>
     <p:spTree>
@@ -4556,7 +6069,7 @@
       </p:grpSpPr>
       <p:sp>
         <p:nvSpPr>
-          <p:cNvPr id="180" name="Shape 180"/>
+          <p:cNvPr id="211" name="Shape 211"/>
           <p:cNvSpPr/>
           <p:nvPr>
             <p:ph type="title"/>
@@ -4580,7 +6093,7 @@
       </p:sp>
       <p:sp>
         <p:nvSpPr>
-          <p:cNvPr id="181" name="Shape 181"/>
+          <p:cNvPr id="212" name="Shape 212"/>
           <p:cNvSpPr/>
           <p:nvPr>
             <p:ph type="body" idx="1"/>
@@ -4604,6 +6117,103 @@
             <a:pPr/>
             <a:r>
               <a:t>Developer Tools (Code-Commit/-deploy/-pipeline)</a:t>
+            </a:r>
+          </a:p>
+        </p:txBody>
+      </p:sp>
+    </p:spTree>
+  </p:cSld>
+  <p:clrMapOvr>
+    <a:masterClrMapping/>
+  </p:clrMapOvr>
+  <p:transition xmlns:p14="http://schemas.microsoft.com/office/powerpoint/2010/main" spd="med" advClick="1" p14:dur="1000"/>
+</p:sld>
+</file>
+
+<file path=ppt/slides/slide19.xml><?xml version="1.0" encoding="utf-8"?>
+<p:sld xmlns:a="http://schemas.openxmlformats.org/drawingml/2006/main" xmlns:r="http://schemas.openxmlformats.org/officeDocument/2006/relationships" xmlns:p="http://schemas.openxmlformats.org/presentationml/2006/main" showMasterSp="1" showMasterPhAnim="1">
+  <p:cSld>
+    <p:spTree>
+      <p:nvGrpSpPr>
+        <p:cNvPr id="1" name=""/>
+        <p:cNvGrpSpPr/>
+        <p:nvPr/>
+      </p:nvGrpSpPr>
+      <p:grpSpPr>
+        <a:xfrm>
+          <a:off x="0" y="0"/>
+          <a:ext cx="0" cy="0"/>
+          <a:chOff x="0" y="0"/>
+          <a:chExt cx="0" cy="0"/>
+        </a:xfrm>
+      </p:grpSpPr>
+      <p:pic>
+        <p:nvPicPr>
+          <p:cNvPr id="214" name=""/>
+          <p:cNvPicPr>
+            <a:picLocks noChangeAspect="0"/>
+          </p:cNvPicPr>
+          <p:nvPr>
+            <p:ph type="pic" idx="13"/>
+          </p:nvPr>
+        </p:nvPicPr>
+        <p:blipFill>
+          <a:blip r:embed="rId2">
+            <a:extLst/>
+          </a:blip>
+          <a:stretch>
+            <a:fillRect/>
+          </a:stretch>
+        </p:blipFill>
+        <p:spPr>
+          <a:xfrm>
+            <a:off x="6678519" y="892949"/>
+            <a:ext cx="5829301" cy="7861301"/>
+          </a:xfrm>
+          <a:prstGeom prst="rect">
+            <a:avLst/>
+          </a:prstGeom>
+        </p:spPr>
+      </p:pic>
+      <p:sp>
+        <p:nvSpPr>
+          <p:cNvPr id="215" name="Shape 215"/>
+          <p:cNvSpPr/>
+          <p:nvPr>
+            <p:ph type="title"/>
+          </p:nvPr>
+        </p:nvSpPr>
+        <p:spPr>
+          <a:xfrm>
+            <a:off x="508000" y="1176298"/>
+            <a:ext cx="5829300" cy="7294603"/>
+          </a:xfrm>
+          <a:prstGeom prst="rect">
+            <a:avLst/>
+          </a:prstGeom>
+        </p:spPr>
+        <p:txBody>
+          <a:bodyPr/>
+          <a:lstStyle/>
+          <a:p>
+            <a:pPr/>
+          </a:p>
+          <a:p>
+            <a:pPr/>
+            <a:r>
+              <a:t>Tack för mig!</a:t>
+            </a:r>
+          </a:p>
+          <a:p>
+            <a:pPr/>
+          </a:p>
+          <a:p>
+            <a:pPr/>
+          </a:p>
+          <a:p>
+            <a:pPr/>
+            <a:r>
+              <a:t>Frågor?</a:t>
             </a:r>
           </a:p>
         </p:txBody>
@@ -5692,8 +7302,8 @@
         </p:nvSpPr>
         <p:spPr>
           <a:xfrm>
-            <a:off x="9378285" y="2578100"/>
-            <a:ext cx="2340394" cy="4311163"/>
+            <a:off x="9378284" y="2578100"/>
+            <a:ext cx="2340395" cy="4311163"/>
           </a:xfrm>
           <a:prstGeom prst="rect">
             <a:avLst/>
@@ -6799,11 +8409,11 @@
       </p:par>
     </p:tnLst>
     <p:bldLst>
+      <p:bldP build="p" bldLvl="5" animBg="1" rev="0" advAuto="0" spid="143" grpId="2"/>
+      <p:bldP build="whole" bldLvl="1" animBg="1" rev="0" advAuto="0" spid="146" grpId="4"/>
+      <p:bldP build="whole" bldLvl="1" animBg="1" rev="0" advAuto="0" spid="145" grpId="1"/>
+      <p:bldP build="whole" bldLvl="1" animBg="1" rev="0" advAuto="0" spid="147" grpId="5"/>
       <p:bldP build="p" bldLvl="5" animBg="1" rev="0" advAuto="0" spid="144" grpId="3"/>
-      <p:bldP build="p" bldLvl="5" animBg="1" rev="0" advAuto="0" spid="143" grpId="2"/>
-      <p:bldP build="whole" bldLvl="1" animBg="1" rev="0" advAuto="0" spid="147" grpId="5"/>
-      <p:bldP build="whole" bldLvl="1" animBg="1" rev="0" advAuto="0" spid="145" grpId="1"/>
-      <p:bldP build="whole" bldLvl="1" animBg="1" rev="0" advAuto="0" spid="146" grpId="4"/>
     </p:bldLst>
   </p:timing>
 </p:sld>
@@ -7013,7 +8623,7 @@
         <p:spPr>
           <a:xfrm>
             <a:off x="6737829" y="3421581"/>
-            <a:ext cx="5786897" cy="3683001"/>
+            <a:ext cx="5786898" cy="3683001"/>
           </a:xfrm>
           <a:prstGeom prst="rect">
             <a:avLst/>
@@ -7570,8 +9180,8 @@
       </p:par>
     </p:tnLst>
     <p:bldLst>
+      <p:bldP build="p" bldLvl="5" animBg="1" rev="0" advAuto="0" spid="157" grpId="1"/>
       <p:bldP build="p" bldLvl="5" animBg="1" rev="0" advAuto="0" spid="158" grpId="2"/>
-      <p:bldP build="p" bldLvl="5" animBg="1" rev="0" advAuto="0" spid="157" grpId="1"/>
     </p:bldLst>
   </p:timing>
 </p:sld>
@@ -7605,7 +9215,7 @@
           </p:nvPr>
         </p:nvPicPr>
         <p:blipFill>
-          <a:blip r:embed="rId2">
+          <a:blip r:embed="rId3">
             <a:extLst/>
           </a:blip>
           <a:stretch>
@@ -7614,8 +9224,8 @@
         </p:blipFill>
         <p:spPr>
           <a:xfrm>
-            <a:off x="302159" y="2512663"/>
-            <a:ext cx="12748135" cy="6361387"/>
+            <a:off x="219879" y="2253678"/>
+            <a:ext cx="12565041" cy="6273005"/>
           </a:xfrm>
           <a:prstGeom prst="rect">
             <a:avLst/>
@@ -7632,8 +9242,8 @@
         </p:nvSpPr>
         <p:spPr>
           <a:xfrm>
-            <a:off x="507999" y="455263"/>
-            <a:ext cx="11988801" cy="1117601"/>
+            <a:off x="508000" y="455263"/>
+            <a:ext cx="11988800" cy="1117601"/>
           </a:xfrm>
           <a:prstGeom prst="rect">
             <a:avLst/>
@@ -7644,7 +9254,7 @@
           <a:lstStyle>
             <a:lvl1pPr>
               <a:defRPr u="sng">
-                <a:hlinkClick r:id="rId3" invalidUrl="" action="" tgtFrame="" tooltip="" history="1" highlightClick="0" endSnd="0"/>
+                <a:hlinkClick r:id="rId4" invalidUrl="" action="" tgtFrame="" tooltip="" history="1" highlightClick="0" endSnd="0"/>
               </a:defRPr>
             </a:lvl1pPr>
           </a:lstStyle>
@@ -7654,7 +9264,7 @@
             </a:pPr>
             <a:r>
               <a:rPr u="sng">
-                <a:hlinkClick r:id="rId3" invalidUrl="" action="" tgtFrame="" tooltip="" history="1" highlightClick="0" endSnd="0"/>
+                <a:hlinkClick r:id="rId4" invalidUrl="" action="" tgtFrame="" tooltip="" history="1" highlightClick="0" endSnd="0"/>
               </a:rPr>
               <a:t>www.Fredde.pro</a:t>
             </a:r>
@@ -7671,8 +9281,8 @@
         </p:nvSpPr>
         <p:spPr>
           <a:xfrm>
-            <a:off x="507999" y="1623663"/>
-            <a:ext cx="11988801" cy="838201"/>
+            <a:off x="508000" y="1623663"/>
+            <a:ext cx="11988800" cy="838201"/>
           </a:xfrm>
           <a:prstGeom prst="rect">
             <a:avLst/>
@@ -7685,13 +9295,153 @@
               <a:lnSpc>
                 <a:spcPct val="100000"/>
               </a:lnSpc>
-              <a:defRPr sz="3600"/>
+              <a:defRPr sz="3600">
+                <a:latin typeface="Gill Sans SemiBold"/>
+                <a:ea typeface="Gill Sans SemiBold"/>
+                <a:cs typeface="Gill Sans SemiBold"/>
+                <a:sym typeface="Gill Sans SemiBold"/>
+              </a:defRPr>
             </a:lvl1pPr>
           </a:lstStyle>
           <a:p>
             <a:pPr/>
             <a:r>
-              <a:t>Fault tolerant wordpress site</a:t>
+              <a:t>Feltolerant wordpressite</a:t>
+            </a:r>
+          </a:p>
+        </p:txBody>
+      </p:sp>
+      <p:sp>
+        <p:nvSpPr>
+          <p:cNvPr id="165" name="Shape 165"/>
+          <p:cNvSpPr/>
+          <p:nvPr/>
+        </p:nvSpPr>
+        <p:spPr>
+          <a:xfrm>
+            <a:off x="3130997" y="3335521"/>
+            <a:ext cx="6296993" cy="3378201"/>
+          </a:xfrm>
+          <a:prstGeom prst="rect">
+            <a:avLst/>
+          </a:prstGeom>
+          <a:ln w="12700">
+            <a:miter lim="400000"/>
+          </a:ln>
+          <a:extLst>
+            <a:ext uri="{C572A759-6A51-4108-AA02-DFA0A04FC94B}">
+              <ma14:wrappingTextBoxFlag xmlns:ma14="http://schemas.microsoft.com/office/mac/drawingml/2011/main" val="1"/>
+            </a:ext>
+          </a:extLst>
+        </p:spPr>
+        <p:txBody>
+          <a:bodyPr wrap="none" lIns="50800" tIns="50800" rIns="50800" bIns="50800" anchor="ctr">
+            <a:spAutoFit/>
+          </a:bodyPr>
+          <a:lstStyle/>
+          <a:p>
+            <a:pPr marL="228600" indent="-228600" algn="l">
+              <a:buClr>
+                <a:srgbClr val="942193"/>
+              </a:buClr>
+              <a:buSzPct val="100000"/>
+              <a:buChar char="•"/>
+              <a:defRPr>
+                <a:solidFill>
+                  <a:srgbClr val="942193"/>
+                </a:solidFill>
+                <a:latin typeface="Gill Sans SemiBold"/>
+                <a:ea typeface="Gill Sans SemiBold"/>
+                <a:cs typeface="Gill Sans SemiBold"/>
+                <a:sym typeface="Gill Sans SemiBold"/>
+              </a:defRPr>
+            </a:pPr>
+            <a:r>
+              <a:t>S3: 99,999999999% durability</a:t>
+            </a:r>
+          </a:p>
+          <a:p>
+            <a:pPr marL="228600" indent="-228600" algn="l">
+              <a:buClr>
+                <a:srgbClr val="942193"/>
+              </a:buClr>
+              <a:buSzPct val="100000"/>
+              <a:buChar char="•"/>
+              <a:defRPr>
+                <a:solidFill>
+                  <a:srgbClr val="942193"/>
+                </a:solidFill>
+                <a:latin typeface="Gill Sans SemiBold"/>
+                <a:ea typeface="Gill Sans SemiBold"/>
+                <a:cs typeface="Gill Sans SemiBold"/>
+                <a:sym typeface="Gill Sans SemiBold"/>
+              </a:defRPr>
+            </a:pPr>
+            <a:r>
+              <a:t>Multipla AZ:s</a:t>
+            </a:r>
+          </a:p>
+          <a:p>
+            <a:pPr marL="228600" indent="-228600" algn="l">
+              <a:buClr>
+                <a:srgbClr val="942193"/>
+              </a:buClr>
+              <a:buSzPct val="100000"/>
+              <a:buChar char="•"/>
+              <a:defRPr>
+                <a:solidFill>
+                  <a:srgbClr val="942193"/>
+                </a:solidFill>
+                <a:latin typeface="Gill Sans SemiBold"/>
+                <a:ea typeface="Gill Sans SemiBold"/>
+                <a:cs typeface="Gill Sans SemiBold"/>
+                <a:sym typeface="Gill Sans SemiBold"/>
+              </a:defRPr>
+            </a:pPr>
+            <a:r>
+              <a:t>Automatisk skalning</a:t>
+            </a:r>
+          </a:p>
+          <a:p>
+            <a:pPr marL="228600" indent="-228600" algn="l">
+              <a:buClr>
+                <a:srgbClr val="942193"/>
+              </a:buClr>
+              <a:buSzPct val="100000"/>
+              <a:buChar char="•"/>
+              <a:defRPr>
+                <a:solidFill>
+                  <a:srgbClr val="942193"/>
+                </a:solidFill>
+                <a:latin typeface="Gill Sans SemiBold"/>
+                <a:ea typeface="Gill Sans SemiBold"/>
+                <a:cs typeface="Gill Sans SemiBold"/>
+                <a:sym typeface="Gill Sans SemiBold"/>
+              </a:defRPr>
+            </a:pPr>
+            <a:r>
+              <a:t>Lastdelning</a:t>
+            </a:r>
+          </a:p>
+          <a:p>
+            <a:pPr marL="228600" indent="-228600" algn="l">
+              <a:buClr>
+                <a:srgbClr val="942193"/>
+              </a:buClr>
+              <a:buSzPct val="100000"/>
+              <a:buChar char="•"/>
+              <a:defRPr>
+                <a:solidFill>
+                  <a:srgbClr val="942193"/>
+                </a:solidFill>
+                <a:latin typeface="Gill Sans SemiBold"/>
+                <a:ea typeface="Gill Sans SemiBold"/>
+                <a:cs typeface="Gill Sans SemiBold"/>
+                <a:sym typeface="Gill Sans SemiBold"/>
+              </a:defRPr>
+            </a:pPr>
+            <a:r>
+              <a:t>CDN</a:t>
             </a:r>
           </a:p>
         </p:txBody>
@@ -7735,7 +9485,413 @@
                                       <p:cBhvr>
                                         <p:cTn id="6" fill="hold"/>
                                         <p:tgtEl>
+                                          <p:spTgt spid="164"/>
+                                        </p:tgtEl>
+                                        <p:attrNameLst>
+                                          <p:attrName>style.visibility</p:attrName>
+                                        </p:attrNameLst>
+                                      </p:cBhvr>
+                                      <p:to>
+                                        <p:strVal val="visible"/>
+                                      </p:to>
+                                    </p:set>
+                                  </p:childTnLst>
+                                </p:cTn>
+                              </p:par>
+                            </p:childTnLst>
+                          </p:cTn>
+                        </p:par>
+                      </p:childTnLst>
+                    </p:cTn>
+                  </p:par>
+                  <p:par>
+                    <p:cTn id="7" fill="hold">
+                      <p:stCondLst>
+                        <p:cond delay="indefinite"/>
+                      </p:stCondLst>
+                      <p:childTnLst>
+                        <p:par>
+                          <p:cTn id="8" fill="hold">
+                            <p:stCondLst>
+                              <p:cond delay="0"/>
+                            </p:stCondLst>
+                            <p:childTnLst>
+                              <p:par>
+                                <p:cTn id="9" presetClass="entr" nodeType="clickEffect" presetSubtype="1" presetID="2" grpId="2" fill="hold">
+                                  <p:stCondLst>
+                                    <p:cond delay="0"/>
+                                  </p:stCondLst>
+                                  <p:iterate type="el" backwards="0">
+                                    <p:tmAbs val="0"/>
+                                  </p:iterate>
+                                  <p:childTnLst>
+                                    <p:set>
+                                      <p:cBhvr>
+                                        <p:cTn id="10" fill="hold"/>
+                                        <p:tgtEl>
                                           <p:spTgt spid="162"/>
+                                        </p:tgtEl>
+                                        <p:attrNameLst>
+                                          <p:attrName>style.visibility</p:attrName>
+                                        </p:attrNameLst>
+                                      </p:cBhvr>
+                                      <p:to>
+                                        <p:strVal val="visible"/>
+                                      </p:to>
+                                    </p:set>
+                                    <p:anim calcmode="lin" valueType="num">
+                                      <p:cBhvr>
+                                        <p:cTn id="11" dur="500" fill="hold"/>
+                                        <p:tgtEl>
+                                          <p:spTgt spid="162"/>
+                                        </p:tgtEl>
+                                        <p:attrNameLst>
+                                          <p:attrName>ppt_x</p:attrName>
+                                        </p:attrNameLst>
+                                      </p:cBhvr>
+                                      <p:tavLst>
+                                        <p:tav tm="0">
+                                          <p:val>
+                                            <p:strVal val="#ppt_x"/>
+                                          </p:val>
+                                        </p:tav>
+                                        <p:tav tm="100000">
+                                          <p:val>
+                                            <p:strVal val="#ppt_x"/>
+                                          </p:val>
+                                        </p:tav>
+                                      </p:tavLst>
+                                    </p:anim>
+                                    <p:anim calcmode="lin" valueType="num">
+                                      <p:cBhvr>
+                                        <p:cTn id="12" dur="500" fill="hold"/>
+                                        <p:tgtEl>
+                                          <p:spTgt spid="162"/>
+                                        </p:tgtEl>
+                                        <p:attrNameLst>
+                                          <p:attrName>ppt_y</p:attrName>
+                                        </p:attrNameLst>
+                                      </p:cBhvr>
+                                      <p:tavLst>
+                                        <p:tav tm="0">
+                                          <p:val>
+                                            <p:strVal val="0-#ppt_h/2"/>
+                                          </p:val>
+                                        </p:tav>
+                                        <p:tav tm="100000">
+                                          <p:val>
+                                            <p:strVal val="#ppt_y"/>
+                                          </p:val>
+                                        </p:tav>
+                                      </p:tavLst>
+                                    </p:anim>
+                                  </p:childTnLst>
+                                </p:cTn>
+                              </p:par>
+                            </p:childTnLst>
+                          </p:cTn>
+                        </p:par>
+                      </p:childTnLst>
+                    </p:cTn>
+                  </p:par>
+                  <p:par>
+                    <p:cTn id="13" fill="hold">
+                      <p:stCondLst>
+                        <p:cond delay="indefinite"/>
+                      </p:stCondLst>
+                      <p:childTnLst>
+                        <p:par>
+                          <p:cTn id="14" fill="hold">
+                            <p:stCondLst>
+                              <p:cond delay="0"/>
+                            </p:stCondLst>
+                            <p:childTnLst>
+                              <p:par>
+                                <p:cTn id="15" presetClass="entr" nodeType="clickEffect" presetSubtype="0" presetID="1" grpId="3" fill="hold">
+                                  <p:stCondLst>
+                                    <p:cond delay="0"/>
+                                  </p:stCondLst>
+                                  <p:iterate type="el" backwards="0">
+                                    <p:tmAbs val="0"/>
+                                  </p:iterate>
+                                  <p:childTnLst>
+                                    <p:set>
+                                      <p:cBhvr>
+                                        <p:cTn id="16" fill="hold"/>
+                                        <p:tgtEl>
+                                          <p:spTgt spid="165">
+                                            <p:bg/>
+                                          </p:spTgt>
+                                        </p:tgtEl>
+                                        <p:attrNameLst>
+                                          <p:attrName>style.visibility</p:attrName>
+                                        </p:attrNameLst>
+                                      </p:cBhvr>
+                                      <p:to>
+                                        <p:strVal val="visible"/>
+                                      </p:to>
+                                    </p:set>
+                                  </p:childTnLst>
+                                </p:cTn>
+                              </p:par>
+                              <p:par>
+                                <p:cTn id="17" presetClass="entr" nodeType="withEffect" presetSubtype="0" presetID="1" grpId="3" fill="hold">
+                                  <p:stCondLst>
+                                    <p:cond delay="0"/>
+                                  </p:stCondLst>
+                                  <p:iterate type="el" backwards="0">
+                                    <p:tmAbs val="0"/>
+                                  </p:iterate>
+                                  <p:childTnLst>
+                                    <p:set>
+                                      <p:cBhvr>
+                                        <p:cTn id="18" fill="hold"/>
+                                        <p:tgtEl>
+                                          <p:spTgt spid="165">
+                                            <p:txEl>
+                                              <p:pRg st="0" end="0"/>
+                                            </p:txEl>
+                                          </p:spTgt>
+                                        </p:tgtEl>
+                                        <p:attrNameLst>
+                                          <p:attrName>style.visibility</p:attrName>
+                                        </p:attrNameLst>
+                                      </p:cBhvr>
+                                      <p:to>
+                                        <p:strVal val="visible"/>
+                                      </p:to>
+                                    </p:set>
+                                  </p:childTnLst>
+                                </p:cTn>
+                              </p:par>
+                            </p:childTnLst>
+                          </p:cTn>
+                        </p:par>
+                      </p:childTnLst>
+                    </p:cTn>
+                  </p:par>
+                  <p:par>
+                    <p:cTn id="19" fill="hold">
+                      <p:stCondLst>
+                        <p:cond delay="indefinite"/>
+                      </p:stCondLst>
+                      <p:childTnLst>
+                        <p:par>
+                          <p:cTn id="20" fill="hold">
+                            <p:stCondLst>
+                              <p:cond delay="0"/>
+                            </p:stCondLst>
+                            <p:childTnLst>
+                              <p:par>
+                                <p:cTn id="21" presetClass="entr" nodeType="clickEffect" presetSubtype="0" presetID="1" grpId="3" fill="hold">
+                                  <p:stCondLst>
+                                    <p:cond delay="0"/>
+                                  </p:stCondLst>
+                                  <p:iterate type="el" backwards="0">
+                                    <p:tmAbs val="0"/>
+                                  </p:iterate>
+                                  <p:childTnLst>
+                                    <p:set>
+                                      <p:cBhvr>
+                                        <p:cTn id="22" fill="hold"/>
+                                        <p:tgtEl>
+                                          <p:spTgt spid="165">
+                                            <p:txEl>
+                                              <p:pRg st="1" end="1"/>
+                                            </p:txEl>
+                                          </p:spTgt>
+                                        </p:tgtEl>
+                                        <p:attrNameLst>
+                                          <p:attrName>style.visibility</p:attrName>
+                                        </p:attrNameLst>
+                                      </p:cBhvr>
+                                      <p:to>
+                                        <p:strVal val="visible"/>
+                                      </p:to>
+                                    </p:set>
+                                  </p:childTnLst>
+                                </p:cTn>
+                              </p:par>
+                            </p:childTnLst>
+                          </p:cTn>
+                        </p:par>
+                      </p:childTnLst>
+                    </p:cTn>
+                  </p:par>
+                  <p:par>
+                    <p:cTn id="23" fill="hold">
+                      <p:stCondLst>
+                        <p:cond delay="indefinite"/>
+                      </p:stCondLst>
+                      <p:childTnLst>
+                        <p:par>
+                          <p:cTn id="24" fill="hold">
+                            <p:stCondLst>
+                              <p:cond delay="0"/>
+                            </p:stCondLst>
+                            <p:childTnLst>
+                              <p:par>
+                                <p:cTn id="25" presetClass="entr" nodeType="clickEffect" presetSubtype="0" presetID="1" grpId="3" fill="hold">
+                                  <p:stCondLst>
+                                    <p:cond delay="0"/>
+                                  </p:stCondLst>
+                                  <p:iterate type="el" backwards="0">
+                                    <p:tmAbs val="0"/>
+                                  </p:iterate>
+                                  <p:childTnLst>
+                                    <p:set>
+                                      <p:cBhvr>
+                                        <p:cTn id="26" fill="hold"/>
+                                        <p:tgtEl>
+                                          <p:spTgt spid="165">
+                                            <p:txEl>
+                                              <p:pRg st="2" end="2"/>
+                                            </p:txEl>
+                                          </p:spTgt>
+                                        </p:tgtEl>
+                                        <p:attrNameLst>
+                                          <p:attrName>style.visibility</p:attrName>
+                                        </p:attrNameLst>
+                                      </p:cBhvr>
+                                      <p:to>
+                                        <p:strVal val="visible"/>
+                                      </p:to>
+                                    </p:set>
+                                  </p:childTnLst>
+                                </p:cTn>
+                              </p:par>
+                            </p:childTnLst>
+                          </p:cTn>
+                        </p:par>
+                      </p:childTnLst>
+                    </p:cTn>
+                  </p:par>
+                  <p:par>
+                    <p:cTn id="27" fill="hold">
+                      <p:stCondLst>
+                        <p:cond delay="indefinite"/>
+                      </p:stCondLst>
+                      <p:childTnLst>
+                        <p:par>
+                          <p:cTn id="28" fill="hold">
+                            <p:stCondLst>
+                              <p:cond delay="0"/>
+                            </p:stCondLst>
+                            <p:childTnLst>
+                              <p:par>
+                                <p:cTn id="29" presetClass="entr" nodeType="clickEffect" presetSubtype="0" presetID="1" grpId="3" fill="hold">
+                                  <p:stCondLst>
+                                    <p:cond delay="0"/>
+                                  </p:stCondLst>
+                                  <p:iterate type="el" backwards="0">
+                                    <p:tmAbs val="0"/>
+                                  </p:iterate>
+                                  <p:childTnLst>
+                                    <p:set>
+                                      <p:cBhvr>
+                                        <p:cTn id="30" fill="hold"/>
+                                        <p:tgtEl>
+                                          <p:spTgt spid="165">
+                                            <p:txEl>
+                                              <p:pRg st="3" end="3"/>
+                                            </p:txEl>
+                                          </p:spTgt>
+                                        </p:tgtEl>
+                                        <p:attrNameLst>
+                                          <p:attrName>style.visibility</p:attrName>
+                                        </p:attrNameLst>
+                                      </p:cBhvr>
+                                      <p:to>
+                                        <p:strVal val="visible"/>
+                                      </p:to>
+                                    </p:set>
+                                  </p:childTnLst>
+                                </p:cTn>
+                              </p:par>
+                            </p:childTnLst>
+                          </p:cTn>
+                        </p:par>
+                      </p:childTnLst>
+                    </p:cTn>
+                  </p:par>
+                  <p:par>
+                    <p:cTn id="31" fill="hold">
+                      <p:stCondLst>
+                        <p:cond delay="indefinite"/>
+                      </p:stCondLst>
+                      <p:childTnLst>
+                        <p:par>
+                          <p:cTn id="32" fill="hold">
+                            <p:stCondLst>
+                              <p:cond delay="0"/>
+                            </p:stCondLst>
+                            <p:childTnLst>
+                              <p:par>
+                                <p:cTn id="33" presetClass="entr" nodeType="clickEffect" presetSubtype="0" presetID="1" grpId="3" fill="hold">
+                                  <p:stCondLst>
+                                    <p:cond delay="0"/>
+                                  </p:stCondLst>
+                                  <p:iterate type="el" backwards="0">
+                                    <p:tmAbs val="0"/>
+                                  </p:iterate>
+                                  <p:childTnLst>
+                                    <p:set>
+                                      <p:cBhvr>
+                                        <p:cTn id="34" fill="hold"/>
+                                        <p:tgtEl>
+                                          <p:spTgt spid="165">
+                                            <p:txEl>
+                                              <p:pRg st="4" end="4"/>
+                                            </p:txEl>
+                                          </p:spTgt>
+                                        </p:tgtEl>
+                                        <p:attrNameLst>
+                                          <p:attrName>style.visibility</p:attrName>
+                                        </p:attrNameLst>
+                                      </p:cBhvr>
+                                      <p:to>
+                                        <p:strVal val="visible"/>
+                                      </p:to>
+                                    </p:set>
+                                  </p:childTnLst>
+                                </p:cTn>
+                              </p:par>
+                            </p:childTnLst>
+                          </p:cTn>
+                        </p:par>
+                      </p:childTnLst>
+                    </p:cTn>
+                  </p:par>
+                  <p:par>
+                    <p:cTn id="35" fill="hold">
+                      <p:stCondLst>
+                        <p:cond delay="indefinite"/>
+                      </p:stCondLst>
+                      <p:childTnLst>
+                        <p:par>
+                          <p:cTn id="36" fill="hold">
+                            <p:stCondLst>
+                              <p:cond delay="0"/>
+                            </p:stCondLst>
+                            <p:childTnLst>
+                              <p:par>
+                                <p:cTn id="37" presetClass="entr" nodeType="clickEffect" presetSubtype="0" presetID="1" grpId="3" fill="hold">
+                                  <p:stCondLst>
+                                    <p:cond delay="0"/>
+                                  </p:stCondLst>
+                                  <p:iterate type="el" backwards="0">
+                                    <p:tmAbs val="0"/>
+                                  </p:iterate>
+                                  <p:childTnLst>
+                                    <p:set>
+                                      <p:cBhvr>
+                                        <p:cTn id="38" fill="hold"/>
+                                        <p:tgtEl>
+                                          <p:spTgt spid="165">
+                                            <p:txEl>
+                                              <p:pRg st="5" end="5"/>
+                                            </p:txEl>
+                                          </p:spTgt>
                                         </p:tgtEl>
                                         <p:attrNameLst>
                                           <p:attrName>style.visibility</p:attrName>
@@ -7776,7 +9932,9 @@
       </p:par>
     </p:tnLst>
     <p:bldLst>
-      <p:bldP build="whole" bldLvl="1" animBg="1" rev="0" advAuto="0" spid="162" grpId="1"/>
+      <p:bldP build="p" bldLvl="5" animBg="1" rev="0" advAuto="0" spid="165" grpId="3"/>
+      <p:bldP build="whole" bldLvl="1" animBg="1" rev="0" advAuto="0" spid="164" grpId="1"/>
+      <p:bldP build="whole" bldLvl="1" animBg="1" rev="0" advAuto="0" spid="162" grpId="2"/>
     </p:bldLst>
   </p:timing>
 </p:sld>
@@ -7801,7 +9959,7 @@
       </p:grpSpPr>
       <p:pic>
         <p:nvPicPr>
-          <p:cNvPr id="166" name="freddepro-wordpress.png"/>
+          <p:cNvPr id="169" name="freddepro-wordpress.png"/>
           <p:cNvPicPr>
             <a:picLocks noChangeAspect="1"/>
           </p:cNvPicPr>
@@ -7834,6 +9992,129 @@
     <a:masterClrMapping/>
   </p:clrMapOvr>
   <p:transition xmlns:p14="http://schemas.microsoft.com/office/powerpoint/2010/main" spd="med" advClick="1" p14:dur="1000"/>
+  <p:timing>
+    <p:tnLst>
+      <p:par>
+        <p:cTn id="1" nodeType="tmRoot" restart="never" dur="indefinite" fill="hold">
+          <p:childTnLst>
+            <p:seq concurrent="1" prevAc="none" nextAc="seek">
+              <p:cTn id="2" nodeType="mainSeq" dur="indefinite" fill="hold">
+                <p:childTnLst>
+                  <p:par>
+                    <p:cTn id="3" fill="hold">
+                      <p:stCondLst>
+                        <p:cond delay="indefinite"/>
+                      </p:stCondLst>
+                      <p:childTnLst>
+                        <p:par>
+                          <p:cTn id="4" fill="hold">
+                            <p:stCondLst>
+                              <p:cond delay="0"/>
+                            </p:stCondLst>
+                            <p:childTnLst>
+                              <p:par>
+                                <p:cTn id="5" presetClass="entr" nodeType="clickEffect" presetSubtype="1" presetID="2" grpId="1" fill="hold">
+                                  <p:stCondLst>
+                                    <p:cond delay="0"/>
+                                  </p:stCondLst>
+                                  <p:iterate type="el" backwards="0">
+                                    <p:tmAbs val="0"/>
+                                  </p:iterate>
+                                  <p:childTnLst>
+                                    <p:set>
+                                      <p:cBhvr>
+                                        <p:cTn id="6" fill="hold"/>
+                                        <p:tgtEl>
+                                          <p:spTgt spid="169"/>
+                                        </p:tgtEl>
+                                        <p:attrNameLst>
+                                          <p:attrName>style.visibility</p:attrName>
+                                        </p:attrNameLst>
+                                      </p:cBhvr>
+                                      <p:to>
+                                        <p:strVal val="visible"/>
+                                      </p:to>
+                                    </p:set>
+                                    <p:anim calcmode="lin" valueType="num">
+                                      <p:cBhvr>
+                                        <p:cTn id="7" dur="500" fill="hold"/>
+                                        <p:tgtEl>
+                                          <p:spTgt spid="169"/>
+                                        </p:tgtEl>
+                                        <p:attrNameLst>
+                                          <p:attrName>ppt_x</p:attrName>
+                                        </p:attrNameLst>
+                                      </p:cBhvr>
+                                      <p:tavLst>
+                                        <p:tav tm="0">
+                                          <p:val>
+                                            <p:strVal val="#ppt_x"/>
+                                          </p:val>
+                                        </p:tav>
+                                        <p:tav tm="100000">
+                                          <p:val>
+                                            <p:strVal val="#ppt_x"/>
+                                          </p:val>
+                                        </p:tav>
+                                      </p:tavLst>
+                                    </p:anim>
+                                    <p:anim calcmode="lin" valueType="num">
+                                      <p:cBhvr>
+                                        <p:cTn id="8" dur="500" fill="hold"/>
+                                        <p:tgtEl>
+                                          <p:spTgt spid="169"/>
+                                        </p:tgtEl>
+                                        <p:attrNameLst>
+                                          <p:attrName>ppt_y</p:attrName>
+                                        </p:attrNameLst>
+                                      </p:cBhvr>
+                                      <p:tavLst>
+                                        <p:tav tm="0">
+                                          <p:val>
+                                            <p:strVal val="0-#ppt_h/2"/>
+                                          </p:val>
+                                        </p:tav>
+                                        <p:tav tm="100000">
+                                          <p:val>
+                                            <p:strVal val="#ppt_y"/>
+                                          </p:val>
+                                        </p:tav>
+                                      </p:tavLst>
+                                    </p:anim>
+                                  </p:childTnLst>
+                                </p:cTn>
+                              </p:par>
+                            </p:childTnLst>
+                          </p:cTn>
+                        </p:par>
+                      </p:childTnLst>
+                    </p:cTn>
+                  </p:par>
+                </p:childTnLst>
+              </p:cTn>
+              <p:prevCondLst>
+                <p:cond evt="onPrev">
+                  <p:tgtEl>
+                    <p:sldTgt/>
+                  </p:tgtEl>
+                </p:cond>
+              </p:prevCondLst>
+              <p:nextCondLst>
+                <p:cond evt="onNext">
+                  <p:tgtEl>
+                    <p:sldTgt/>
+                  </p:tgtEl>
+                </p:cond>
+              </p:nextCondLst>
+            </p:seq>
+          </p:childTnLst>
+        </p:cTn>
+      </p:par>
+    </p:tnLst>
+    <p:bldLst>
+      <p:bldP build="whole" bldLvl="1" animBg="1" rev="0" advAuto="0" spid="169" grpId="1"/>
+    </p:bldLst>
+  </p:timing>
 </p:sld>
 </file>
 
@@ -7856,7 +10137,7 @@
       </p:grpSpPr>
       <p:sp>
         <p:nvSpPr>
-          <p:cNvPr id="168" name="Shape 168"/>
+          <p:cNvPr id="171" name="Shape 171"/>
           <p:cNvSpPr/>
           <p:nvPr>
             <p:ph type="title"/>
